--- a/Podatność Server Side Request Forgery z wykorzystaniem strony.pptx
+++ b/Podatność Server Side Request Forgery z wykorzystaniem strony.pptx
@@ -263,7 +263,7 @@
             <a:pPr rtl="0"/>
             <a:fld id="{9B5BE4D8-A545-49B5-B6D6-1C4173C613DB}" type="datetime1">
               <a:rPr lang="pl-PL" smtClean="0"/>
-              <a:t>28.11.2021</a:t>
+              <a:t>29.11.2021</a:t>
             </a:fld>
             <a:endParaRPr lang="pl-PL" dirty="0"/>
           </a:p>
@@ -445,7 +445,7 @@
             <a:fld id="{55DB031B-7A3C-49C1-AA9C-CE9313183260}" type="datetime1">
               <a:rPr lang="pl-PL" smtClean="0"/>
               <a:pPr/>
-              <a:t>28.11.2021</a:t>
+              <a:t>29.11.2021</a:t>
             </a:fld>
             <a:endParaRPr lang="pl-PL" dirty="0"/>
           </a:p>
@@ -19896,7 +19896,7 @@
         </p:spPr>
         <p:txBody>
           <a:bodyPr>
-            <a:normAutofit fontScale="85000" lnSpcReduction="20000"/>
+            <a:noAutofit/>
           </a:bodyPr>
           <a:lstStyle/>
           <a:p>
@@ -19905,7 +19905,7 @@
               <a:buChar char="•"/>
             </a:pPr>
             <a:r>
-              <a:rPr lang="pl-PL" sz="2800" dirty="0"/>
+              <a:rPr lang="pl-PL" sz="2000" dirty="0"/>
               <a:t>parametr zapytania HTTP/HTTPS, który zawiera nazwy plików lub adresy URL,</a:t>
             </a:r>
           </a:p>
@@ -19915,7 +19915,7 @@
               <a:buChar char="•"/>
             </a:pPr>
             <a:r>
-              <a:rPr lang="pl-PL" sz="2800" dirty="0"/>
+              <a:rPr lang="pl-PL" sz="2000" dirty="0"/>
               <a:t>parametr w strukturze JSON, przekazanej w ciele żądania,    </a:t>
             </a:r>
           </a:p>
@@ -19925,7 +19925,7 @@
               <a:buChar char="•"/>
             </a:pPr>
             <a:r>
-              <a:rPr lang="pl-PL" sz="2800" dirty="0"/>
+              <a:rPr lang="pl-PL" sz="2000" dirty="0"/>
               <a:t>fragment pliku XML, przetwarzanego przez serwer, </a:t>
             </a:r>
           </a:p>
@@ -19935,7 +19935,7 @@
               <a:buChar char="•"/>
             </a:pPr>
             <a:r>
-              <a:rPr lang="pl-PL" sz="2800" dirty="0"/>
+              <a:rPr lang="pl-PL" sz="2000" dirty="0"/>
               <a:t>fragment dowolnego pliku, z którego serwer automatycznie pobiera zasoby, </a:t>
             </a:r>
           </a:p>
@@ -19945,7 +19945,7 @@
               <a:buChar char="•"/>
             </a:pPr>
             <a:r>
-              <a:rPr lang="pl-PL" sz="2800" dirty="0"/>
+              <a:rPr lang="pl-PL" sz="2000" dirty="0"/>
               <a:t>podatna biblioteka wykorzystana w aplikacji,</a:t>
             </a:r>
           </a:p>
@@ -19955,15 +19955,64 @@
               <a:buChar char="•"/>
             </a:pPr>
             <a:r>
-              <a:rPr lang="pl-PL" sz="2800" dirty="0"/>
+              <a:rPr lang="pl-PL" sz="2000" b="0" i="0" dirty="0">
+                <a:effectLst/>
+              </a:rPr>
+              <a:t>protokoły takie jak </a:t>
+            </a:r>
+            <a:r>
+              <a:rPr lang="pl-PL" sz="2000" b="0" i="0" dirty="0" err="1">
+                <a:effectLst/>
+              </a:rPr>
+              <a:t>phar</a:t>
+            </a:r>
+            <a:r>
+              <a:rPr lang="pl-PL" sz="2000" b="0" i="0" dirty="0">
+                <a:effectLst/>
+              </a:rPr>
+              <a:t> (</a:t>
+            </a:r>
+            <a:r>
+              <a:rPr lang="pl-PL" sz="2000" b="0" i="0" dirty="0" err="1">
+                <a:effectLst/>
+              </a:rPr>
+              <a:t>php</a:t>
+            </a:r>
+            <a:r>
+              <a:rPr lang="pl-PL" sz="2000" b="0" i="0" dirty="0">
+                <a:effectLst/>
+              </a:rPr>
+              <a:t>), </a:t>
+            </a:r>
+            <a:r>
+              <a:rPr lang="pl-PL" sz="2000" b="0" i="0" dirty="0" err="1">
+                <a:effectLst/>
+              </a:rPr>
+              <a:t>gopher</a:t>
+            </a:r>
+            <a:r>
+              <a:rPr lang="pl-PL" sz="2000" b="0" i="0" dirty="0">
+                <a:effectLst/>
+              </a:rPr>
+              <a:t> (rodzaj protokołu klient-serwer)</a:t>
+            </a:r>
+            <a:endParaRPr lang="pl-PL" sz="2000" dirty="0"/>
+          </a:p>
+          <a:p>
+            <a:pPr marL="457200" indent="-457200">
+              <a:buFont typeface="Arial" panose="020B0604020202020204" pitchFamily="34" charset="0"/>
+              <a:buChar char="•"/>
+            </a:pPr>
+            <a:r>
+              <a:rPr lang="pl-PL" sz="2000" dirty="0"/>
               <a:t>protokoły i usługi obsługiwane przez mechanizm pobierający pliki np.: ftp, telnet, zip, </a:t>
             </a:r>
             <a:r>
-              <a:rPr lang="pl-PL" sz="2800" dirty="0" err="1"/>
+              <a:rPr lang="pl-PL" sz="2000" dirty="0" err="1"/>
               <a:t>rar</a:t>
             </a:r>
             <a:r>
-              <a:rPr lang="pl-PL" sz="2800" dirty="0"/>
+              <a:rPr lang="pl-PL" sz="2000" dirty="0"/>
               <a:t>, ssh2.exec</a:t>
             </a:r>
           </a:p>
@@ -21665,22 +21714,12 @@
 </file>
 
 <file path=customXml/item1.xml><?xml version="1.0" encoding="utf-8"?>
-<p:properties xmlns:p="http://schemas.microsoft.com/office/2006/metadata/properties" xmlns:xsi="http://www.w3.org/2001/XMLSchema-instance" xmlns:pc="http://schemas.microsoft.com/office/infopath/2007/PartnerControls">
-  <documentManagement>
-    <_ip_UnifiedCompliancePolicyUIAction xmlns="http://schemas.microsoft.com/sharepoint/v3" xsi:nil="true"/>
-    <Image xmlns="71af3243-3dd4-4a8d-8c0d-dd76da1f02a5">
-      <Url xsi:nil="true"/>
-      <Description xsi:nil="true"/>
-    </Image>
-    <Status xmlns="71af3243-3dd4-4a8d-8c0d-dd76da1f02a5">Not started</Status>
-    <_ip_UnifiedCompliancePolicyProperties xmlns="http://schemas.microsoft.com/sharepoint/v3" xsi:nil="true"/>
-    <ImageTagsTaxHTField xmlns="71af3243-3dd4-4a8d-8c0d-dd76da1f02a5">
-      <Terms xmlns="http://schemas.microsoft.com/office/infopath/2007/PartnerControls"/>
-    </ImageTagsTaxHTField>
-    <TaxCatchAll xmlns="230e9df3-be65-4c73-a93b-d1236ebd677e"/>
-    <MediaServiceKeyPoints xmlns="71af3243-3dd4-4a8d-8c0d-dd76da1f02a5" xsi:nil="true"/>
-  </documentManagement>
-</p:properties>
+<?mso-contentType ?>
+<FormTemplates xmlns="http://schemas.microsoft.com/sharepoint/v3/contenttype/forms">
+  <Display>DocumentLibraryForm</Display>
+  <Edit>DocumentLibraryForm</Edit>
+  <New>DocumentLibraryForm</New>
+</FormTemplates>
 </file>
 
 <file path=customXml/item2.xml><?xml version="1.0" encoding="utf-8"?>
@@ -21960,22 +21999,28 @@
 </file>
 
 <file path=customXml/item3.xml><?xml version="1.0" encoding="utf-8"?>
-<?mso-contentType ?>
-<FormTemplates xmlns="http://schemas.microsoft.com/sharepoint/v3/contenttype/forms">
-  <Display>DocumentLibraryForm</Display>
-  <Edit>DocumentLibraryForm</Edit>
-  <New>DocumentLibraryForm</New>
-</FormTemplates>
+<p:properties xmlns:p="http://schemas.microsoft.com/office/2006/metadata/properties" xmlns:xsi="http://www.w3.org/2001/XMLSchema-instance" xmlns:pc="http://schemas.microsoft.com/office/infopath/2007/PartnerControls">
+  <documentManagement>
+    <_ip_UnifiedCompliancePolicyUIAction xmlns="http://schemas.microsoft.com/sharepoint/v3" xsi:nil="true"/>
+    <Image xmlns="71af3243-3dd4-4a8d-8c0d-dd76da1f02a5">
+      <Url xsi:nil="true"/>
+      <Description xsi:nil="true"/>
+    </Image>
+    <Status xmlns="71af3243-3dd4-4a8d-8c0d-dd76da1f02a5">Not started</Status>
+    <_ip_UnifiedCompliancePolicyProperties xmlns="http://schemas.microsoft.com/sharepoint/v3" xsi:nil="true"/>
+    <ImageTagsTaxHTField xmlns="71af3243-3dd4-4a8d-8c0d-dd76da1f02a5">
+      <Terms xmlns="http://schemas.microsoft.com/office/infopath/2007/PartnerControls"/>
+    </ImageTagsTaxHTField>
+    <TaxCatchAll xmlns="230e9df3-be65-4c73-a93b-d1236ebd677e"/>
+    <MediaServiceKeyPoints xmlns="71af3243-3dd4-4a8d-8c0d-dd76da1f02a5" xsi:nil="true"/>
+  </documentManagement>
+</p:properties>
 </file>
 
 <file path=customXml/itemProps1.xml><?xml version="1.0" encoding="utf-8"?>
-<ds:datastoreItem xmlns:ds="http://schemas.openxmlformats.org/officeDocument/2006/customXml" ds:itemID="{B5BA3906-9696-4247-AC0D-DD5C26B2A70A}">
+<ds:datastoreItem xmlns:ds="http://schemas.openxmlformats.org/officeDocument/2006/customXml" ds:itemID="{2D446390-8521-40A2-A462-EA068123BED9}">
   <ds:schemaRefs>
-    <ds:schemaRef ds:uri="http://schemas.microsoft.com/office/2006/metadata/properties"/>
-    <ds:schemaRef ds:uri="http://schemas.microsoft.com/office/infopath/2007/PartnerControls"/>
-    <ds:schemaRef ds:uri="http://schemas.microsoft.com/sharepoint/v3"/>
-    <ds:schemaRef ds:uri="71af3243-3dd4-4a8d-8c0d-dd76da1f02a5"/>
-    <ds:schemaRef ds:uri="230e9df3-be65-4c73-a93b-d1236ebd677e"/>
+    <ds:schemaRef ds:uri="http://schemas.microsoft.com/sharepoint/v3/contenttype/forms"/>
   </ds:schemaRefs>
 </ds:datastoreItem>
 </file>
@@ -22002,9 +22047,20 @@
 </file>
 
 <file path=customXml/itemProps3.xml><?xml version="1.0" encoding="utf-8"?>
-<ds:datastoreItem xmlns:ds="http://schemas.openxmlformats.org/officeDocument/2006/customXml" ds:itemID="{2D446390-8521-40A2-A462-EA068123BED9}">
+<ds:datastoreItem xmlns:ds="http://schemas.openxmlformats.org/officeDocument/2006/customXml" ds:itemID="{B5BA3906-9696-4247-AC0D-DD5C26B2A70A}">
   <ds:schemaRefs>
-    <ds:schemaRef ds:uri="http://schemas.microsoft.com/sharepoint/v3/contenttype/forms"/>
+    <ds:schemaRef ds:uri="http://purl.org/dc/dcmitype/"/>
+    <ds:schemaRef ds:uri="http://schemas.microsoft.com/office/2006/documentManagement/types"/>
+    <ds:schemaRef ds:uri="http://schemas.microsoft.com/sharepoint/v3"/>
+    <ds:schemaRef ds:uri="http://schemas.microsoft.com/office/infopath/2007/PartnerControls"/>
+    <ds:schemaRef ds:uri="16c05727-aa75-4e4a-9b5f-8a80a1165891"/>
+    <ds:schemaRef ds:uri="http://schemas.openxmlformats.org/package/2006/metadata/core-properties"/>
+    <ds:schemaRef ds:uri="71af3243-3dd4-4a8d-8c0d-dd76da1f02a5"/>
+    <ds:schemaRef ds:uri="http://purl.org/dc/elements/1.1/"/>
+    <ds:schemaRef ds:uri="http://www.w3.org/XML/1998/namespace"/>
+    <ds:schemaRef ds:uri="230e9df3-be65-4c73-a93b-d1236ebd677e"/>
+    <ds:schemaRef ds:uri="http://schemas.microsoft.com/office/2006/metadata/properties"/>
+    <ds:schemaRef ds:uri="http://purl.org/dc/terms/"/>
   </ds:schemaRefs>
 </ds:datastoreItem>
 </file>

--- a/Podatność Server Side Request Forgery z wykorzystaniem strony.pptx
+++ b/Podatność Server Side Request Forgery z wykorzystaniem strony.pptx
@@ -18214,7 +18214,7 @@
           <a:p>
             <a:r>
               <a:rPr lang="pl-PL" sz="2400" dirty="0"/>
-              <a:t>Zadanie: </a:t>
+              <a:t>Zadanie 6: </a:t>
             </a:r>
           </a:p>
           <a:p>
@@ -19068,19 +19068,7 @@
               <a:rPr lang="pl-PL" sz="2400" cap="none" dirty="0">
                 <a:cs typeface="Calibri" panose="020F0502020204030204" pitchFamily="34" charset="0"/>
               </a:rPr>
-              <a:t>Zablokowanie możliwości komunikacji do samej maszyny na której </a:t>
-            </a:r>
-            <a:r>
-              <a:rPr lang="pl-PL" sz="2400" cap="none" dirty="0" err="1">
-                <a:cs typeface="Calibri" panose="020F0502020204030204" pitchFamily="34" charset="0"/>
-              </a:rPr>
-              <a:t>działata</a:t>
-            </a:r>
-            <a:r>
-              <a:rPr lang="pl-PL" sz="2400" cap="none" dirty="0">
-                <a:cs typeface="Calibri" panose="020F0502020204030204" pitchFamily="34" charset="0"/>
-              </a:rPr>
-              <a:t> aplikacja i innych hostów w obrębie tej infrastruktury</a:t>
+              <a:t>Zablokowanie możliwości komunikacji do samej maszyny na której działała aplikacja i innych hostów w obrębie tej infrastruktury</a:t>
             </a:r>
           </a:p>
           <a:p>
@@ -21714,15 +21702,6 @@
 </file>
 
 <file path=customXml/item1.xml><?xml version="1.0" encoding="utf-8"?>
-<?mso-contentType ?>
-<FormTemplates xmlns="http://schemas.microsoft.com/sharepoint/v3/contenttype/forms">
-  <Display>DocumentLibraryForm</Display>
-  <Edit>DocumentLibraryForm</Edit>
-  <New>DocumentLibraryForm</New>
-</FormTemplates>
-</file>
-
-<file path=customXml/item2.xml><?xml version="1.0" encoding="utf-8"?>
 <ct:contentTypeSchema xmlns:ct="http://schemas.microsoft.com/office/2006/metadata/contentType" xmlns:ma="http://schemas.microsoft.com/office/2006/metadata/properties/metaAttributes" ct:_="" ma:_="" ma:contentTypeName="Document" ma:contentTypeID="0x01010079F111ED35F8CC479449609E8A0923A6" ma:contentTypeVersion="20" ma:contentTypeDescription="Create a new document." ma:contentTypeScope="" ma:versionID="1267097ee5f5874adfcc408041ae252e">
   <xsd:schema xmlns:xsd="http://www.w3.org/2001/XMLSchema" xmlns:xs="http://www.w3.org/2001/XMLSchema" xmlns:p="http://schemas.microsoft.com/office/2006/metadata/properties" xmlns:ns1="http://schemas.microsoft.com/sharepoint/v3" xmlns:ns2="71af3243-3dd4-4a8d-8c0d-dd76da1f02a5" xmlns:ns3="16c05727-aa75-4e4a-9b5f-8a80a1165891" xmlns:ns4="230e9df3-be65-4c73-a93b-d1236ebd677e" targetNamespace="http://schemas.microsoft.com/office/2006/metadata/properties" ma:root="true" ma:fieldsID="395891a93df65b14727750f2c06c306c" ns1:_="" ns2:_="" ns3:_="" ns4:_="">
     <xsd:import namespace="http://schemas.microsoft.com/sharepoint/v3"/>
@@ -21998,6 +21977,15 @@
 </ct:contentTypeSchema>
 </file>
 
+<file path=customXml/item2.xml><?xml version="1.0" encoding="utf-8"?>
+<?mso-contentType ?>
+<FormTemplates xmlns="http://schemas.microsoft.com/sharepoint/v3/contenttype/forms">
+  <Display>DocumentLibraryForm</Display>
+  <Edit>DocumentLibraryForm</Edit>
+  <New>DocumentLibraryForm</New>
+</FormTemplates>
+</file>
+
 <file path=customXml/item3.xml><?xml version="1.0" encoding="utf-8"?>
 <p:properties xmlns:p="http://schemas.microsoft.com/office/2006/metadata/properties" xmlns:xsi="http://www.w3.org/2001/XMLSchema-instance" xmlns:pc="http://schemas.microsoft.com/office/infopath/2007/PartnerControls">
   <documentManagement>
@@ -22018,14 +22006,6 @@
 </file>
 
 <file path=customXml/itemProps1.xml><?xml version="1.0" encoding="utf-8"?>
-<ds:datastoreItem xmlns:ds="http://schemas.openxmlformats.org/officeDocument/2006/customXml" ds:itemID="{2D446390-8521-40A2-A462-EA068123BED9}">
-  <ds:schemaRefs>
-    <ds:schemaRef ds:uri="http://schemas.microsoft.com/sharepoint/v3/contenttype/forms"/>
-  </ds:schemaRefs>
-</ds:datastoreItem>
-</file>
-
-<file path=customXml/itemProps2.xml><?xml version="1.0" encoding="utf-8"?>
 <ds:datastoreItem xmlns:ds="http://schemas.openxmlformats.org/officeDocument/2006/customXml" ds:itemID="{01E84A1C-2814-43A7-9448-348326113A45}">
   <ds:schemaRefs>
     <ds:schemaRef ds:uri="http://schemas.microsoft.com/office/2006/metadata/contentType"/>
@@ -22042,6 +22022,14 @@
     <ds:schemaRef ds:uri="http://purl.org/dc/elements/1.1/"/>
     <ds:schemaRef ds:uri="http://purl.org/dc/terms/"/>
     <ds:schemaRef ds:uri="http://schemas.microsoft.com/internal/obd"/>
+  </ds:schemaRefs>
+</ds:datastoreItem>
+</file>
+
+<file path=customXml/itemProps2.xml><?xml version="1.0" encoding="utf-8"?>
+<ds:datastoreItem xmlns:ds="http://schemas.openxmlformats.org/officeDocument/2006/customXml" ds:itemID="{2D446390-8521-40A2-A462-EA068123BED9}">
+  <ds:schemaRefs>
+    <ds:schemaRef ds:uri="http://schemas.microsoft.com/sharepoint/v3/contenttype/forms"/>
   </ds:schemaRefs>
 </ds:datastoreItem>
 </file>

--- a/Podatność Server Side Request Forgery z wykorzystaniem strony.pptx
+++ b/Podatność Server Side Request Forgery z wykorzystaniem strony.pptx
@@ -263,7 +263,7 @@
             <a:pPr rtl="0"/>
             <a:fld id="{9B5BE4D8-A545-49B5-B6D6-1C4173C613DB}" type="datetime1">
               <a:rPr lang="pl-PL" smtClean="0"/>
-              <a:t>29.11.2021</a:t>
+              <a:t>02.12.2021</a:t>
             </a:fld>
             <a:endParaRPr lang="pl-PL" dirty="0"/>
           </a:p>
@@ -445,7 +445,7 @@
             <a:fld id="{55DB031B-7A3C-49C1-AA9C-CE9313183260}" type="datetime1">
               <a:rPr lang="pl-PL" smtClean="0"/>
               <a:pPr/>
-              <a:t>29.11.2021</a:t>
+              <a:t>02.12.2021</a:t>
             </a:fld>
             <a:endParaRPr lang="pl-PL" dirty="0"/>
           </a:p>
@@ -17259,7 +17259,7 @@
         </p:nvSpPr>
         <p:spPr>
           <a:xfrm>
-            <a:off x="6096000" y="1286008"/>
+            <a:off x="5920167" y="1185340"/>
             <a:ext cx="5256137" cy="5249016"/>
           </a:xfrm>
         </p:spPr>
@@ -17340,10 +17340,14 @@
               <a:buChar char="•"/>
             </a:pPr>
             <a:r>
+              <a:rPr lang="pl-PL" sz="2000" dirty="0"/>
+              <a:t>Z</a:t>
+            </a:r>
+            <a:r>
               <a:rPr lang="pl-PL" sz="2000" b="0" i="0" dirty="0">
                 <a:effectLst/>
               </a:rPr>
-              <a:t>załączenie wymaganego </a:t>
+              <a:t>ałączenie wymaganego </a:t>
             </a:r>
             <a:r>
               <a:rPr lang="pl-PL" sz="2000" b="0" i="0" dirty="0" err="1">
@@ -17360,13 +17364,41 @@
           </a:p>
           <a:p>
             <a:r>
+              <a:rPr lang="pl-PL" sz="2000" dirty="0">
+                <a:latin typeface="Courier"/>
+              </a:rPr>
+              <a:t>http://expected-site.evil-site.com/</a:t>
+            </a:r>
+            <a:endParaRPr lang="pl-PL" sz="2000" b="0" i="0" dirty="0">
+              <a:effectLst/>
+            </a:endParaRPr>
+          </a:p>
+          <a:p>
+            <a:pPr marL="285750" indent="-285750">
+              <a:buFont typeface="Arial" panose="020B0604020202020204" pitchFamily="34" charset="0"/>
+              <a:buChar char="•"/>
+            </a:pPr>
+            <a:r>
+              <a:rPr lang="pl-PL" sz="2000" dirty="0"/>
+              <a:t>Łączenie tych metod np.:</a:t>
+            </a:r>
+          </a:p>
+          <a:p>
+            <a:r>
               <a:rPr lang="pl-PL" sz="2000" b="0" i="0" dirty="0">
                 <a:effectLst/>
                 <a:latin typeface="Courier"/>
               </a:rPr>
-              <a:t>http://expected-site.evil-site.com/</a:t>
-            </a:r>
-            <a:endParaRPr lang="pl-PL" sz="2000" dirty="0">
+              <a:t>http://</a:t>
+            </a:r>
+            <a:r>
+              <a:rPr lang="pl-PL" sz="2000" dirty="0">
+                <a:latin typeface="Courier"/>
+              </a:rPr>
+              <a:t>evil-site.com#@expected-site.com/</a:t>
+            </a:r>
+            <a:endParaRPr lang="pl-PL" sz="2000" b="0" i="0" dirty="0">
+              <a:effectLst/>
               <a:latin typeface="Courier"/>
             </a:endParaRPr>
           </a:p>
@@ -19032,19 +19064,7 @@
               <a:rPr lang="pl-PL" sz="2400" cap="none" dirty="0">
                 <a:cs typeface="Calibri" panose="020F0502020204030204" pitchFamily="34" charset="0"/>
               </a:rPr>
-              <a:t>Wyłączenie niepotrzebnych protokołów (jak </a:t>
-            </a:r>
-            <a:r>
-              <a:rPr lang="pl-PL" sz="2400" cap="none" dirty="0" err="1">
-                <a:cs typeface="Calibri" panose="020F0502020204030204" pitchFamily="34" charset="0"/>
-              </a:rPr>
-              <a:t>gopher</a:t>
-            </a:r>
-            <a:r>
-              <a:rPr lang="pl-PL" sz="2400" cap="none" dirty="0">
-                <a:cs typeface="Calibri" panose="020F0502020204030204" pitchFamily="34" charset="0"/>
-              </a:rPr>
-              <a:t>)</a:t>
+              <a:t>Wyłączenie niepotrzebnych protokołów </a:t>
             </a:r>
           </a:p>
           <a:p>
@@ -19845,7 +19865,7 @@
         </p:nvSpPr>
         <p:spPr>
           <a:xfrm>
-            <a:off x="1517149" y="3778901"/>
+            <a:off x="1634595" y="3812457"/>
             <a:ext cx="3139440" cy="1325563"/>
           </a:xfrm>
         </p:spPr>
@@ -19894,7 +19914,15 @@
             </a:pPr>
             <a:r>
               <a:rPr lang="pl-PL" sz="2000" dirty="0"/>
-              <a:t>parametr zapytania HTTP/HTTPS, który zawiera nazwy plików lub adresy URL,</a:t>
+              <a:t>Mechanizmy </a:t>
+            </a:r>
+            <a:r>
+              <a:rPr lang="pl-PL" sz="2000" dirty="0" err="1"/>
+              <a:t>uploadu</a:t>
+            </a:r>
+            <a:r>
+              <a:rPr lang="pl-PL" sz="2000" dirty="0"/>
+              <a:t> plików </a:t>
             </a:r>
           </a:p>
           <a:p>
@@ -19904,7 +19932,7 @@
             </a:pPr>
             <a:r>
               <a:rPr lang="pl-PL" sz="2000" dirty="0"/>
-              <a:t>parametr w strukturze JSON, przekazanej w ciele żądania,    </a:t>
+              <a:t>parametr zapytania HTTP/HTTPS, który zawiera nazwy plików lub adresy URL,</a:t>
             </a:r>
           </a:p>
           <a:p>
@@ -19914,7 +19942,7 @@
             </a:pPr>
             <a:r>
               <a:rPr lang="pl-PL" sz="2000" dirty="0"/>
-              <a:t>fragment pliku XML, przetwarzanego przez serwer, </a:t>
+              <a:t>parametr w strukturze JSON, przekazanej w ciele żądania,    </a:t>
             </a:r>
           </a:p>
           <a:p>
@@ -19924,7 +19952,7 @@
             </a:pPr>
             <a:r>
               <a:rPr lang="pl-PL" sz="2000" dirty="0"/>
-              <a:t>fragment dowolnego pliku, z którego serwer automatycznie pobiera zasoby, </a:t>
+              <a:t>fragment pliku XML, przetwarzanego przez serwer, </a:t>
             </a:r>
           </a:p>
           <a:p>
@@ -19934,7 +19962,7 @@
             </a:pPr>
             <a:r>
               <a:rPr lang="pl-PL" sz="2000" dirty="0"/>
-              <a:t>podatna biblioteka wykorzystana w aplikacji,</a:t>
+              <a:t>fragment dowolnego pliku, z którego serwer automatycznie pobiera zasoby, </a:t>
             </a:r>
           </a:p>
           <a:p>
@@ -19943,48 +19971,9 @@
               <a:buChar char="•"/>
             </a:pPr>
             <a:r>
-              <a:rPr lang="pl-PL" sz="2000" b="0" i="0" dirty="0">
-                <a:effectLst/>
-              </a:rPr>
-              <a:t>protokoły takie jak </a:t>
-            </a:r>
-            <a:r>
-              <a:rPr lang="pl-PL" sz="2000" b="0" i="0" dirty="0" err="1">
-                <a:effectLst/>
-              </a:rPr>
-              <a:t>phar</a:t>
-            </a:r>
-            <a:r>
-              <a:rPr lang="pl-PL" sz="2000" b="0" i="0" dirty="0">
-                <a:effectLst/>
-              </a:rPr>
-              <a:t> (</a:t>
-            </a:r>
-            <a:r>
-              <a:rPr lang="pl-PL" sz="2000" b="0" i="0" dirty="0" err="1">
-                <a:effectLst/>
-              </a:rPr>
-              <a:t>php</a:t>
-            </a:r>
-            <a:r>
-              <a:rPr lang="pl-PL" sz="2000" b="0" i="0" dirty="0">
-                <a:effectLst/>
-              </a:rPr>
-              <a:t>), </a:t>
-            </a:r>
-            <a:r>
-              <a:rPr lang="pl-PL" sz="2000" b="0" i="0" dirty="0" err="1">
-                <a:effectLst/>
-              </a:rPr>
-              <a:t>gopher</a:t>
-            </a:r>
-            <a:r>
-              <a:rPr lang="pl-PL" sz="2000" b="0" i="0" dirty="0">
-                <a:effectLst/>
-              </a:rPr>
-              <a:t> (rodzaj protokołu klient-serwer)</a:t>
-            </a:r>
-            <a:endParaRPr lang="pl-PL" sz="2000" dirty="0"/>
+              <a:rPr lang="pl-PL" sz="2000" dirty="0"/>
+              <a:t>podatna biblioteka wykorzystana w aplikacji,</a:t>
+            </a:r>
           </a:p>
           <a:p>
             <a:pPr marL="457200" indent="-457200">
@@ -19993,7 +19982,23 @@
             </a:pPr>
             <a:r>
               <a:rPr lang="pl-PL" sz="2000" dirty="0"/>
-              <a:t>protokoły i usługi obsługiwane przez mechanizm pobierający pliki np.: ftp, telnet, zip, </a:t>
+              <a:t>protokoły i usługi obsługiwane przez mechanizm pobierający pliki np.: </a:t>
+            </a:r>
+            <a:r>
+              <a:rPr lang="pl-PL" sz="2000" dirty="0" err="1"/>
+              <a:t>phar</a:t>
+            </a:r>
+            <a:r>
+              <a:rPr lang="pl-PL" sz="2000" dirty="0"/>
+              <a:t>, </a:t>
+            </a:r>
+            <a:r>
+              <a:rPr lang="pl-PL" sz="2000" dirty="0" err="1"/>
+              <a:t>gopher</a:t>
+            </a:r>
+            <a:r>
+              <a:rPr lang="pl-PL" sz="2000" dirty="0"/>
+              <a:t>, ftp, telnet, zip, </a:t>
             </a:r>
             <a:r>
               <a:rPr lang="pl-PL" sz="2000" dirty="0" err="1"/>
@@ -20255,7 +20260,7 @@
         </p:nvSpPr>
         <p:spPr>
           <a:xfrm>
-            <a:off x="5850056" y="823767"/>
+            <a:off x="6191886" y="832313"/>
             <a:ext cx="4616045" cy="800688"/>
           </a:xfrm>
         </p:spPr>
@@ -20278,10 +20283,10 @@
       </p:sp>
       <p:pic>
         <p:nvPicPr>
-          <p:cNvPr id="13" name="Obraz 12">
-            <a:extLst>
-              <a:ext uri="{FF2B5EF4-FFF2-40B4-BE49-F238E27FC236}">
-                <a16:creationId xmlns:a16="http://schemas.microsoft.com/office/drawing/2014/main" id="{1D79E63A-3926-417A-B2D6-1D7532E99C6A}"/>
+          <p:cNvPr id="5" name="Obraz 4">
+            <a:extLst>
+              <a:ext uri="{FF2B5EF4-FFF2-40B4-BE49-F238E27FC236}">
+                <a16:creationId xmlns:a16="http://schemas.microsoft.com/office/drawing/2014/main" id="{8245A084-1B9D-440E-B7AF-9047C37D28CF}"/>
               </a:ext>
             </a:extLst>
           </p:cNvPr>
@@ -20298,8 +20303,8 @@
         </p:blipFill>
         <p:spPr>
           <a:xfrm>
-            <a:off x="4611868" y="1892723"/>
-            <a:ext cx="7092423" cy="4751358"/>
+            <a:off x="4942322" y="1907194"/>
+            <a:ext cx="7115175" cy="4762500"/>
           </a:xfrm>
           <a:prstGeom prst="rect">
             <a:avLst/>
@@ -20889,7 +20894,7 @@
         </p:blipFill>
         <p:spPr>
           <a:xfrm>
-            <a:off x="5476875" y="3804879"/>
+            <a:off x="5560764" y="3775206"/>
             <a:ext cx="5325218" cy="1362265"/>
           </a:xfrm>
           <a:prstGeom prst="rect">
@@ -21702,6 +21707,34 @@
 </file>
 
 <file path=customXml/item1.xml><?xml version="1.0" encoding="utf-8"?>
+<p:properties xmlns:p="http://schemas.microsoft.com/office/2006/metadata/properties" xmlns:xsi="http://www.w3.org/2001/XMLSchema-instance" xmlns:pc="http://schemas.microsoft.com/office/infopath/2007/PartnerControls">
+  <documentManagement>
+    <_ip_UnifiedCompliancePolicyUIAction xmlns="http://schemas.microsoft.com/sharepoint/v3" xsi:nil="true"/>
+    <Image xmlns="71af3243-3dd4-4a8d-8c0d-dd76da1f02a5">
+      <Url xsi:nil="true"/>
+      <Description xsi:nil="true"/>
+    </Image>
+    <Status xmlns="71af3243-3dd4-4a8d-8c0d-dd76da1f02a5">Not started</Status>
+    <_ip_UnifiedCompliancePolicyProperties xmlns="http://schemas.microsoft.com/sharepoint/v3" xsi:nil="true"/>
+    <ImageTagsTaxHTField xmlns="71af3243-3dd4-4a8d-8c0d-dd76da1f02a5">
+      <Terms xmlns="http://schemas.microsoft.com/office/infopath/2007/PartnerControls"/>
+    </ImageTagsTaxHTField>
+    <TaxCatchAll xmlns="230e9df3-be65-4c73-a93b-d1236ebd677e"/>
+    <MediaServiceKeyPoints xmlns="71af3243-3dd4-4a8d-8c0d-dd76da1f02a5" xsi:nil="true"/>
+  </documentManagement>
+</p:properties>
+</file>
+
+<file path=customXml/item2.xml><?xml version="1.0" encoding="utf-8"?>
+<?mso-contentType ?>
+<FormTemplates xmlns="http://schemas.microsoft.com/sharepoint/v3/contenttype/forms">
+  <Display>DocumentLibraryForm</Display>
+  <Edit>DocumentLibraryForm</Edit>
+  <New>DocumentLibraryForm</New>
+</FormTemplates>
+</file>
+
+<file path=customXml/item3.xml><?xml version="1.0" encoding="utf-8"?>
 <ct:contentTypeSchema xmlns:ct="http://schemas.microsoft.com/office/2006/metadata/contentType" xmlns:ma="http://schemas.microsoft.com/office/2006/metadata/properties/metaAttributes" ct:_="" ma:_="" ma:contentTypeName="Document" ma:contentTypeID="0x01010079F111ED35F8CC479449609E8A0923A6" ma:contentTypeVersion="20" ma:contentTypeDescription="Create a new document." ma:contentTypeScope="" ma:versionID="1267097ee5f5874adfcc408041ae252e">
   <xsd:schema xmlns:xsd="http://www.w3.org/2001/XMLSchema" xmlns:xs="http://www.w3.org/2001/XMLSchema" xmlns:p="http://schemas.microsoft.com/office/2006/metadata/properties" xmlns:ns1="http://schemas.microsoft.com/sharepoint/v3" xmlns:ns2="71af3243-3dd4-4a8d-8c0d-dd76da1f02a5" xmlns:ns3="16c05727-aa75-4e4a-9b5f-8a80a1165891" xmlns:ns4="230e9df3-be65-4c73-a93b-d1236ebd677e" targetNamespace="http://schemas.microsoft.com/office/2006/metadata/properties" ma:root="true" ma:fieldsID="395891a93df65b14727750f2c06c306c" ns1:_="" ns2:_="" ns3:_="" ns4:_="">
     <xsd:import namespace="http://schemas.microsoft.com/sharepoint/v3"/>
@@ -21977,35 +22010,34 @@
 </ct:contentTypeSchema>
 </file>
 
-<file path=customXml/item2.xml><?xml version="1.0" encoding="utf-8"?>
-<?mso-contentType ?>
-<FormTemplates xmlns="http://schemas.microsoft.com/sharepoint/v3/contenttype/forms">
-  <Display>DocumentLibraryForm</Display>
-  <Edit>DocumentLibraryForm</Edit>
-  <New>DocumentLibraryForm</New>
-</FormTemplates>
+<file path=customXml/itemProps1.xml><?xml version="1.0" encoding="utf-8"?>
+<ds:datastoreItem xmlns:ds="http://schemas.openxmlformats.org/officeDocument/2006/customXml" ds:itemID="{B5BA3906-9696-4247-AC0D-DD5C26B2A70A}">
+  <ds:schemaRefs>
+    <ds:schemaRef ds:uri="http://purl.org/dc/dcmitype/"/>
+    <ds:schemaRef ds:uri="http://schemas.microsoft.com/office/2006/documentManagement/types"/>
+    <ds:schemaRef ds:uri="http://schemas.microsoft.com/sharepoint/v3"/>
+    <ds:schemaRef ds:uri="http://schemas.microsoft.com/office/infopath/2007/PartnerControls"/>
+    <ds:schemaRef ds:uri="16c05727-aa75-4e4a-9b5f-8a80a1165891"/>
+    <ds:schemaRef ds:uri="http://schemas.openxmlformats.org/package/2006/metadata/core-properties"/>
+    <ds:schemaRef ds:uri="71af3243-3dd4-4a8d-8c0d-dd76da1f02a5"/>
+    <ds:schemaRef ds:uri="http://purl.org/dc/elements/1.1/"/>
+    <ds:schemaRef ds:uri="http://www.w3.org/XML/1998/namespace"/>
+    <ds:schemaRef ds:uri="230e9df3-be65-4c73-a93b-d1236ebd677e"/>
+    <ds:schemaRef ds:uri="http://schemas.microsoft.com/office/2006/metadata/properties"/>
+    <ds:schemaRef ds:uri="http://purl.org/dc/terms/"/>
+  </ds:schemaRefs>
+</ds:datastoreItem>
 </file>
 
-<file path=customXml/item3.xml><?xml version="1.0" encoding="utf-8"?>
-<p:properties xmlns:p="http://schemas.microsoft.com/office/2006/metadata/properties" xmlns:xsi="http://www.w3.org/2001/XMLSchema-instance" xmlns:pc="http://schemas.microsoft.com/office/infopath/2007/PartnerControls">
-  <documentManagement>
-    <_ip_UnifiedCompliancePolicyUIAction xmlns="http://schemas.microsoft.com/sharepoint/v3" xsi:nil="true"/>
-    <Image xmlns="71af3243-3dd4-4a8d-8c0d-dd76da1f02a5">
-      <Url xsi:nil="true"/>
-      <Description xsi:nil="true"/>
-    </Image>
-    <Status xmlns="71af3243-3dd4-4a8d-8c0d-dd76da1f02a5">Not started</Status>
-    <_ip_UnifiedCompliancePolicyProperties xmlns="http://schemas.microsoft.com/sharepoint/v3" xsi:nil="true"/>
-    <ImageTagsTaxHTField xmlns="71af3243-3dd4-4a8d-8c0d-dd76da1f02a5">
-      <Terms xmlns="http://schemas.microsoft.com/office/infopath/2007/PartnerControls"/>
-    </ImageTagsTaxHTField>
-    <TaxCatchAll xmlns="230e9df3-be65-4c73-a93b-d1236ebd677e"/>
-    <MediaServiceKeyPoints xmlns="71af3243-3dd4-4a8d-8c0d-dd76da1f02a5" xsi:nil="true"/>
-  </documentManagement>
-</p:properties>
+<file path=customXml/itemProps2.xml><?xml version="1.0" encoding="utf-8"?>
+<ds:datastoreItem xmlns:ds="http://schemas.openxmlformats.org/officeDocument/2006/customXml" ds:itemID="{2D446390-8521-40A2-A462-EA068123BED9}">
+  <ds:schemaRefs>
+    <ds:schemaRef ds:uri="http://schemas.microsoft.com/sharepoint/v3/contenttype/forms"/>
+  </ds:schemaRefs>
+</ds:datastoreItem>
 </file>
 
-<file path=customXml/itemProps1.xml><?xml version="1.0" encoding="utf-8"?>
+<file path=customXml/itemProps3.xml><?xml version="1.0" encoding="utf-8"?>
 <ds:datastoreItem xmlns:ds="http://schemas.openxmlformats.org/officeDocument/2006/customXml" ds:itemID="{01E84A1C-2814-43A7-9448-348326113A45}">
   <ds:schemaRefs>
     <ds:schemaRef ds:uri="http://schemas.microsoft.com/office/2006/metadata/contentType"/>
@@ -22026,33 +22058,6 @@
 </ds:datastoreItem>
 </file>
 
-<file path=customXml/itemProps2.xml><?xml version="1.0" encoding="utf-8"?>
-<ds:datastoreItem xmlns:ds="http://schemas.openxmlformats.org/officeDocument/2006/customXml" ds:itemID="{2D446390-8521-40A2-A462-EA068123BED9}">
-  <ds:schemaRefs>
-    <ds:schemaRef ds:uri="http://schemas.microsoft.com/sharepoint/v3/contenttype/forms"/>
-  </ds:schemaRefs>
-</ds:datastoreItem>
-</file>
-
-<file path=customXml/itemProps3.xml><?xml version="1.0" encoding="utf-8"?>
-<ds:datastoreItem xmlns:ds="http://schemas.openxmlformats.org/officeDocument/2006/customXml" ds:itemID="{B5BA3906-9696-4247-AC0D-DD5C26B2A70A}">
-  <ds:schemaRefs>
-    <ds:schemaRef ds:uri="http://purl.org/dc/dcmitype/"/>
-    <ds:schemaRef ds:uri="http://schemas.microsoft.com/office/2006/documentManagement/types"/>
-    <ds:schemaRef ds:uri="http://schemas.microsoft.com/sharepoint/v3"/>
-    <ds:schemaRef ds:uri="http://schemas.microsoft.com/office/infopath/2007/PartnerControls"/>
-    <ds:schemaRef ds:uri="16c05727-aa75-4e4a-9b5f-8a80a1165891"/>
-    <ds:schemaRef ds:uri="http://schemas.openxmlformats.org/package/2006/metadata/core-properties"/>
-    <ds:schemaRef ds:uri="71af3243-3dd4-4a8d-8c0d-dd76da1f02a5"/>
-    <ds:schemaRef ds:uri="http://purl.org/dc/elements/1.1/"/>
-    <ds:schemaRef ds:uri="http://www.w3.org/XML/1998/namespace"/>
-    <ds:schemaRef ds:uri="230e9df3-be65-4c73-a93b-d1236ebd677e"/>
-    <ds:schemaRef ds:uri="http://schemas.microsoft.com/office/2006/metadata/properties"/>
-    <ds:schemaRef ds:uri="http://purl.org/dc/terms/"/>
-  </ds:schemaRefs>
-</ds:datastoreItem>
-</file>
-
 <file path=docMetadata/LabelInfo.xml><?xml version="1.0" encoding="utf-8"?>
 <clbl:labelList xmlns:clbl="http://schemas.microsoft.com/office/2020/mipLabelMetadata">
   <clbl:label id="{f42aa342-8706-4288-bd11-ebb85995028c}" enabled="1" method="Standard" siteId="{72f988bf-86f1-41af-91ab-2d7cd011db47}" removed="0"/>

--- a/Podatność Server Side Request Forgery z wykorzystaniem strony.pptx
+++ b/Podatność Server Side Request Forgery z wykorzystaniem strony.pptx
@@ -17891,7 +17891,7 @@
         </p:spPr>
         <p:txBody>
           <a:bodyPr>
-            <a:normAutofit/>
+            <a:normAutofit lnSpcReduction="10000"/>
           </a:bodyPr>
           <a:lstStyle/>
           <a:p>
@@ -17961,6 +17961,70 @@
                 <a:latin typeface="Courier New" panose="02070309020205020404" pitchFamily="49" charset="0"/>
               </a:rPr>
               <a:t>”http://internal.vulnerable-website.com/”&gt; ]&gt;</a:t>
+            </a:r>
+            <a:endParaRPr lang="pl-PL" sz="1900" b="0" i="0" dirty="0">
+              <a:effectLst/>
+              <a:latin typeface="Courier New" panose="02070309020205020404" pitchFamily="49" charset="0"/>
+            </a:endParaRPr>
+          </a:p>
+          <a:p>
+            <a:r>
+              <a:rPr lang="pl-PL" sz="1900" dirty="0">
+                <a:latin typeface="Courier New" panose="02070309020205020404" pitchFamily="49" charset="0"/>
+              </a:rPr>
+              <a:t>&lt;</a:t>
+            </a:r>
+            <a:r>
+              <a:rPr lang="pl-PL" sz="1900" dirty="0" err="1">
+                <a:latin typeface="Courier New" panose="02070309020205020404" pitchFamily="49" charset="0"/>
+              </a:rPr>
+              <a:t>site</a:t>
+            </a:r>
+            <a:r>
+              <a:rPr lang="pl-PL" sz="1900" dirty="0">
+                <a:latin typeface="Courier New" panose="02070309020205020404" pitchFamily="49" charset="0"/>
+              </a:rPr>
+              <a:t>&gt;</a:t>
+            </a:r>
+          </a:p>
+          <a:p>
+            <a:r>
+              <a:rPr lang="pl-PL" sz="1900" dirty="0">
+                <a:latin typeface="Courier New" panose="02070309020205020404" pitchFamily="49" charset="0"/>
+              </a:rPr>
+              <a:t>	&amp;</a:t>
+            </a:r>
+            <a:r>
+              <a:rPr lang="pl-PL" sz="1900" dirty="0" err="1">
+                <a:latin typeface="Courier New" panose="02070309020205020404" pitchFamily="49" charset="0"/>
+              </a:rPr>
+              <a:t>xxe</a:t>
+            </a:r>
+            <a:r>
+              <a:rPr lang="pl-PL" sz="1900" dirty="0">
+                <a:latin typeface="Courier New" panose="02070309020205020404" pitchFamily="49" charset="0"/>
+              </a:rPr>
+              <a:t>;</a:t>
+            </a:r>
+          </a:p>
+          <a:p>
+            <a:r>
+              <a:rPr lang="pl-PL" sz="1900" dirty="0">
+                <a:latin typeface="Courier New" panose="02070309020205020404" pitchFamily="49" charset="0"/>
+              </a:rPr>
+              <a:t>&lt;/</a:t>
+            </a:r>
+            <a:r>
+              <a:rPr lang="pl-PL" sz="1900" dirty="0" err="1">
+                <a:latin typeface="Courier New" panose="02070309020205020404" pitchFamily="49" charset="0"/>
+              </a:rPr>
+              <a:t>site</a:t>
+            </a:r>
+            <a:r>
+              <a:rPr lang="pl-PL" sz="1900" dirty="0">
+                <a:latin typeface="Courier New" panose="02070309020205020404" pitchFamily="49" charset="0"/>
+              </a:rPr>
+              <a:t>&gt;</a:t>
             </a:r>
             <a:endParaRPr lang="pl-PL" sz="1500" dirty="0">
               <a:latin typeface="+mn-lt"/>
@@ -21707,6 +21771,15 @@
 </file>
 
 <file path=customXml/item1.xml><?xml version="1.0" encoding="utf-8"?>
+<?mso-contentType ?>
+<FormTemplates xmlns="http://schemas.microsoft.com/sharepoint/v3/contenttype/forms">
+  <Display>DocumentLibraryForm</Display>
+  <Edit>DocumentLibraryForm</Edit>
+  <New>DocumentLibraryForm</New>
+</FormTemplates>
+</file>
+
+<file path=customXml/item2.xml><?xml version="1.0" encoding="utf-8"?>
 <p:properties xmlns:p="http://schemas.microsoft.com/office/2006/metadata/properties" xmlns:xsi="http://www.w3.org/2001/XMLSchema-instance" xmlns:pc="http://schemas.microsoft.com/office/infopath/2007/PartnerControls">
   <documentManagement>
     <_ip_UnifiedCompliancePolicyUIAction xmlns="http://schemas.microsoft.com/sharepoint/v3" xsi:nil="true"/>
@@ -21723,15 +21796,6 @@
     <MediaServiceKeyPoints xmlns="71af3243-3dd4-4a8d-8c0d-dd76da1f02a5" xsi:nil="true"/>
   </documentManagement>
 </p:properties>
-</file>
-
-<file path=customXml/item2.xml><?xml version="1.0" encoding="utf-8"?>
-<?mso-contentType ?>
-<FormTemplates xmlns="http://schemas.microsoft.com/sharepoint/v3/contenttype/forms">
-  <Display>DocumentLibraryForm</Display>
-  <Edit>DocumentLibraryForm</Edit>
-  <New>DocumentLibraryForm</New>
-</FormTemplates>
 </file>
 
 <file path=customXml/item3.xml><?xml version="1.0" encoding="utf-8"?>
@@ -22011,6 +22075,14 @@
 </file>
 
 <file path=customXml/itemProps1.xml><?xml version="1.0" encoding="utf-8"?>
+<ds:datastoreItem xmlns:ds="http://schemas.openxmlformats.org/officeDocument/2006/customXml" ds:itemID="{2D446390-8521-40A2-A462-EA068123BED9}">
+  <ds:schemaRefs>
+    <ds:schemaRef ds:uri="http://schemas.microsoft.com/sharepoint/v3/contenttype/forms"/>
+  </ds:schemaRefs>
+</ds:datastoreItem>
+</file>
+
+<file path=customXml/itemProps2.xml><?xml version="1.0" encoding="utf-8"?>
 <ds:datastoreItem xmlns:ds="http://schemas.openxmlformats.org/officeDocument/2006/customXml" ds:itemID="{B5BA3906-9696-4247-AC0D-DD5C26B2A70A}">
   <ds:schemaRefs>
     <ds:schemaRef ds:uri="http://purl.org/dc/dcmitype/"/>
@@ -22025,14 +22097,6 @@
     <ds:schemaRef ds:uri="230e9df3-be65-4c73-a93b-d1236ebd677e"/>
     <ds:schemaRef ds:uri="http://schemas.microsoft.com/office/2006/metadata/properties"/>
     <ds:schemaRef ds:uri="http://purl.org/dc/terms/"/>
-  </ds:schemaRefs>
-</ds:datastoreItem>
-</file>
-
-<file path=customXml/itemProps2.xml><?xml version="1.0" encoding="utf-8"?>
-<ds:datastoreItem xmlns:ds="http://schemas.openxmlformats.org/officeDocument/2006/customXml" ds:itemID="{2D446390-8521-40A2-A462-EA068123BED9}">
-  <ds:schemaRefs>
-    <ds:schemaRef ds:uri="http://schemas.microsoft.com/sharepoint/v3/contenttype/forms"/>
   </ds:schemaRefs>
 </ds:datastoreItem>
 </file>
